--- a/PPT系统研发部.pptx
+++ b/PPT系统研发部.pptx
@@ -150,7 +150,7 @@
   </p:defaultTextStyle>
   <p:extLst>
     <p:ext uri="{EFAFB233-063F-42B5-8137-9DF3F51BA10A}">
-      <p15:sldGuideLst xmlns:p15="http://schemas.microsoft.com/office/powerpoint/2012/main">
+      <p15:sldGuideLst xmlns:p15="http://schemas.microsoft.com/office/powerpoint/2012/main" xmlns="">
         <p15:guide id="1" orient="horz" pos="1756">
           <p15:clr>
             <a:srgbClr val="A4A3A4"/>
@@ -182,7 +182,7 @@
   <p:cmAuthor id="1" name="lizl" initials="l" lastIdx="1" clrIdx="0">
     <p:extLst>
       <p:ext uri="{19B8F6BF-5375-455C-9EA6-DF929625EA0E}">
-        <p15:presenceInfo xmlns:p15="http://schemas.microsoft.com/office/powerpoint/2012/main" userId="lizl" providerId="None"/>
+        <p15:presenceInfo xmlns:p15="http://schemas.microsoft.com/office/powerpoint/2012/main" xmlns="" userId="lizl" providerId="None"/>
       </p:ext>
     </p:extLst>
   </p:cmAuthor>
@@ -376,7 +376,7 @@
     </p:spTree>
     <p:extLst>
       <p:ext uri="{BB962C8B-B14F-4D97-AF65-F5344CB8AC3E}">
-        <p14:creationId xmlns:p14="http://schemas.microsoft.com/office/powerpoint/2010/main" val="2466190436"/>
+        <p14:creationId xmlns:p14="http://schemas.microsoft.com/office/powerpoint/2010/main" xmlns="" val="2466190436"/>
       </p:ext>
     </p:extLst>
   </p:cSld>
@@ -578,7 +578,7 @@
           </a:ln>
           <a:extLst>
             <a:ext uri="{909E8E84-426E-40DD-AFC4-6F175D3DCCD1}">
-              <a14:hiddenFill xmlns:a14="http://schemas.microsoft.com/office/drawing/2010/main">
+              <a14:hiddenFill xmlns:a14="http://schemas.microsoft.com/office/drawing/2010/main" xmlns="">
                 <a:solidFill>
                   <a:srgbClr val="FFFFFF"/>
                 </a:solidFill>
@@ -705,7 +705,7 @@
     </p:spTree>
     <p:extLst>
       <p:ext uri="{BB962C8B-B14F-4D97-AF65-F5344CB8AC3E}">
-        <p14:creationId xmlns:p14="http://schemas.microsoft.com/office/powerpoint/2010/main" val="1199583684"/>
+        <p14:creationId xmlns:p14="http://schemas.microsoft.com/office/powerpoint/2010/main" xmlns="" val="1199583684"/>
       </p:ext>
     </p:extLst>
   </p:cSld>
@@ -879,14 +879,14 @@
           <a:ln/>
           <a:extLst>
             <a:ext uri="{909E8E84-426E-40DD-AFC4-6F175D3DCCD1}">
-              <a14:hiddenFill xmlns:a14="http://schemas.microsoft.com/office/drawing/2010/main">
+              <a14:hiddenFill xmlns:a14="http://schemas.microsoft.com/office/drawing/2010/main" xmlns="">
                 <a:solidFill>
                   <a:srgbClr val="FFFFFF"/>
                 </a:solidFill>
               </a14:hiddenFill>
             </a:ext>
             <a:ext uri="{91240B29-F687-4F45-9708-019B960494DF}">
-              <a14:hiddenLine xmlns:a14="http://schemas.microsoft.com/office/drawing/2010/main" w="9525">
+              <a14:hiddenLine xmlns:a14="http://schemas.microsoft.com/office/drawing/2010/main" xmlns="" w="9525">
                 <a:solidFill>
                   <a:srgbClr val="000000"/>
                 </a:solidFill>
@@ -1043,7 +1043,7 @@
           </a:ln>
           <a:extLst>
             <a:ext uri="{91240B29-F687-4F45-9708-019B960494DF}">
-              <a14:hiddenLine xmlns:a14="http://schemas.microsoft.com/office/drawing/2010/main" w="12700">
+              <a14:hiddenLine xmlns:a14="http://schemas.microsoft.com/office/drawing/2010/main" xmlns="" w="12700">
                 <a:solidFill>
                   <a:srgbClr val="000000"/>
                 </a:solidFill>
@@ -1070,14 +1070,14 @@
           <a:ln/>
           <a:extLst>
             <a:ext uri="{909E8E84-426E-40DD-AFC4-6F175D3DCCD1}">
-              <a14:hiddenFill xmlns:a14="http://schemas.microsoft.com/office/drawing/2010/main">
+              <a14:hiddenFill xmlns:a14="http://schemas.microsoft.com/office/drawing/2010/main" xmlns="">
                 <a:solidFill>
                   <a:srgbClr val="FFFFFF"/>
                 </a:solidFill>
               </a14:hiddenFill>
             </a:ext>
             <a:ext uri="{91240B29-F687-4F45-9708-019B960494DF}">
-              <a14:hiddenLine xmlns:a14="http://schemas.microsoft.com/office/drawing/2010/main" w="9525">
+              <a14:hiddenLine xmlns:a14="http://schemas.microsoft.com/office/drawing/2010/main" xmlns="" w="9525">
                 <a:solidFill>
                   <a:srgbClr val="000000"/>
                 </a:solidFill>
@@ -1104,7 +1104,7 @@
     </p:spTree>
     <p:extLst>
       <p:ext uri="{BB962C8B-B14F-4D97-AF65-F5344CB8AC3E}">
-        <p14:creationId xmlns:p14="http://schemas.microsoft.com/office/powerpoint/2010/main" val="339890646"/>
+        <p14:creationId xmlns:p14="http://schemas.microsoft.com/office/powerpoint/2010/main" xmlns="" val="339890646"/>
       </p:ext>
     </p:extLst>
   </p:cSld>
@@ -1154,14 +1154,14 @@
           <a:ln/>
           <a:extLst>
             <a:ext uri="{909E8E84-426E-40DD-AFC4-6F175D3DCCD1}">
-              <a14:hiddenFill xmlns:a14="http://schemas.microsoft.com/office/drawing/2010/main">
+              <a14:hiddenFill xmlns:a14="http://schemas.microsoft.com/office/drawing/2010/main" xmlns="">
                 <a:solidFill>
                   <a:srgbClr val="FFFFFF"/>
                 </a:solidFill>
               </a14:hiddenFill>
             </a:ext>
             <a:ext uri="{91240B29-F687-4F45-9708-019B960494DF}">
-              <a14:hiddenLine xmlns:a14="http://schemas.microsoft.com/office/drawing/2010/main" w="9525">
+              <a14:hiddenLine xmlns:a14="http://schemas.microsoft.com/office/drawing/2010/main" xmlns="" w="9525">
                 <a:solidFill>
                   <a:srgbClr val="000000"/>
                 </a:solidFill>
@@ -1318,7 +1318,7 @@
           </a:ln>
           <a:extLst>
             <a:ext uri="{91240B29-F687-4F45-9708-019B960494DF}">
-              <a14:hiddenLine xmlns:a14="http://schemas.microsoft.com/office/drawing/2010/main" w="12700">
+              <a14:hiddenLine xmlns:a14="http://schemas.microsoft.com/office/drawing/2010/main" xmlns="" w="12700">
                 <a:solidFill>
                   <a:srgbClr val="000000"/>
                 </a:solidFill>
@@ -1345,14 +1345,14 @@
           <a:ln/>
           <a:extLst>
             <a:ext uri="{909E8E84-426E-40DD-AFC4-6F175D3DCCD1}">
-              <a14:hiddenFill xmlns:a14="http://schemas.microsoft.com/office/drawing/2010/main">
+              <a14:hiddenFill xmlns:a14="http://schemas.microsoft.com/office/drawing/2010/main" xmlns="">
                 <a:solidFill>
                   <a:srgbClr val="FFFFFF"/>
                 </a:solidFill>
               </a14:hiddenFill>
             </a:ext>
             <a:ext uri="{91240B29-F687-4F45-9708-019B960494DF}">
-              <a14:hiddenLine xmlns:a14="http://schemas.microsoft.com/office/drawing/2010/main" w="9525">
+              <a14:hiddenLine xmlns:a14="http://schemas.microsoft.com/office/drawing/2010/main" xmlns="" w="9525">
                 <a:solidFill>
                   <a:srgbClr val="000000"/>
                 </a:solidFill>
@@ -1540,7 +1540,7 @@
     </p:spTree>
     <p:extLst>
       <p:ext uri="{BB962C8B-B14F-4D97-AF65-F5344CB8AC3E}">
-        <p14:creationId xmlns:p14="http://schemas.microsoft.com/office/powerpoint/2010/main" val="1389306803"/>
+        <p14:creationId xmlns:p14="http://schemas.microsoft.com/office/powerpoint/2010/main" xmlns="" val="1389306803"/>
       </p:ext>
     </p:extLst>
   </p:cSld>
@@ -1697,7 +1697,7 @@
               <a:pPr>
                 <a:defRPr/>
               </a:pPr>
-              <a:t>2016/12/2</a:t>
+              <a:t>2016/12/16</a:t>
             </a:fld>
             <a:endParaRPr lang="zh-CN" altLang="en-US"/>
           </a:p>
@@ -1760,7 +1760,7 @@
     </p:spTree>
     <p:extLst>
       <p:ext uri="{BB962C8B-B14F-4D97-AF65-F5344CB8AC3E}">
-        <p14:creationId xmlns:p14="http://schemas.microsoft.com/office/powerpoint/2010/main" val="3431117769"/>
+        <p14:creationId xmlns:p14="http://schemas.microsoft.com/office/powerpoint/2010/main" xmlns="" val="3431117769"/>
       </p:ext>
     </p:extLst>
   </p:cSld>
@@ -1905,7 +1905,7 @@
               <a:pPr>
                 <a:defRPr/>
               </a:pPr>
-              <a:t>2016/12/2</a:t>
+              <a:t>2016/12/16</a:t>
             </a:fld>
             <a:endParaRPr lang="zh-CN" altLang="en-US"/>
           </a:p>
@@ -1968,7 +1968,7 @@
     </p:spTree>
     <p:extLst>
       <p:ext uri="{BB962C8B-B14F-4D97-AF65-F5344CB8AC3E}">
-        <p14:creationId xmlns:p14="http://schemas.microsoft.com/office/powerpoint/2010/main" val="1963864402"/>
+        <p14:creationId xmlns:p14="http://schemas.microsoft.com/office/powerpoint/2010/main" xmlns="" val="1963864402"/>
       </p:ext>
     </p:extLst>
   </p:cSld>
@@ -2113,7 +2113,7 @@
               <a:pPr>
                 <a:defRPr/>
               </a:pPr>
-              <a:t>2016/12/2</a:t>
+              <a:t>2016/12/16</a:t>
             </a:fld>
             <a:endParaRPr lang="zh-CN" altLang="en-US"/>
           </a:p>
@@ -2176,7 +2176,7 @@
     </p:spTree>
     <p:extLst>
       <p:ext uri="{BB962C8B-B14F-4D97-AF65-F5344CB8AC3E}">
-        <p14:creationId xmlns:p14="http://schemas.microsoft.com/office/powerpoint/2010/main" val="1655281915"/>
+        <p14:creationId xmlns:p14="http://schemas.microsoft.com/office/powerpoint/2010/main" xmlns="" val="1655281915"/>
       </p:ext>
     </p:extLst>
   </p:cSld>
@@ -2317,7 +2317,7 @@
     </p:spTree>
     <p:extLst>
       <p:ext uri="{BB962C8B-B14F-4D97-AF65-F5344CB8AC3E}">
-        <p14:creationId xmlns:p14="http://schemas.microsoft.com/office/powerpoint/2010/main" val="4169064150"/>
+        <p14:creationId xmlns:p14="http://schemas.microsoft.com/office/powerpoint/2010/main" xmlns="" val="4169064150"/>
       </p:ext>
     </p:extLst>
   </p:cSld>
@@ -2475,7 +2475,7 @@
               <a:pPr>
                 <a:defRPr/>
               </a:pPr>
-              <a:t>2016/12/2</a:t>
+              <a:t>2016/12/16</a:t>
             </a:fld>
             <a:endParaRPr lang="zh-CN" altLang="en-US"/>
           </a:p>
@@ -2538,7 +2538,7 @@
     </p:spTree>
     <p:extLst>
       <p:ext uri="{BB962C8B-B14F-4D97-AF65-F5344CB8AC3E}">
-        <p14:creationId xmlns:p14="http://schemas.microsoft.com/office/powerpoint/2010/main" val="1830240035"/>
+        <p14:creationId xmlns:p14="http://schemas.microsoft.com/office/powerpoint/2010/main" xmlns="" val="1830240035"/>
       </p:ext>
     </p:extLst>
   </p:cSld>
@@ -2683,7 +2683,7 @@
               <a:pPr>
                 <a:defRPr/>
               </a:pPr>
-              <a:t>2016/12/2</a:t>
+              <a:t>2016/12/16</a:t>
             </a:fld>
             <a:endParaRPr lang="zh-CN" altLang="en-US"/>
           </a:p>
@@ -2746,7 +2746,7 @@
     </p:spTree>
     <p:extLst>
       <p:ext uri="{BB962C8B-B14F-4D97-AF65-F5344CB8AC3E}">
-        <p14:creationId xmlns:p14="http://schemas.microsoft.com/office/powerpoint/2010/main" val="4140891370"/>
+        <p14:creationId xmlns:p14="http://schemas.microsoft.com/office/powerpoint/2010/main" xmlns="" val="4140891370"/>
       </p:ext>
     </p:extLst>
   </p:cSld>
@@ -2957,7 +2957,7 @@
               <a:pPr>
                 <a:defRPr/>
               </a:pPr>
-              <a:t>2016/12/2</a:t>
+              <a:t>2016/12/16</a:t>
             </a:fld>
             <a:endParaRPr lang="zh-CN" altLang="en-US"/>
           </a:p>
@@ -3020,7 +3020,7 @@
     </p:spTree>
     <p:extLst>
       <p:ext uri="{BB962C8B-B14F-4D97-AF65-F5344CB8AC3E}">
-        <p14:creationId xmlns:p14="http://schemas.microsoft.com/office/powerpoint/2010/main" val="3254309863"/>
+        <p14:creationId xmlns:p14="http://schemas.microsoft.com/office/powerpoint/2010/main" xmlns="" val="3254309863"/>
       </p:ext>
     </p:extLst>
   </p:cSld>
@@ -3225,7 +3225,7 @@
               <a:pPr>
                 <a:defRPr/>
               </a:pPr>
-              <a:t>2016/12/2</a:t>
+              <a:t>2016/12/16</a:t>
             </a:fld>
             <a:endParaRPr lang="zh-CN" altLang="en-US"/>
           </a:p>
@@ -3288,7 +3288,7 @@
     </p:spTree>
     <p:extLst>
       <p:ext uri="{BB962C8B-B14F-4D97-AF65-F5344CB8AC3E}">
-        <p14:creationId xmlns:p14="http://schemas.microsoft.com/office/powerpoint/2010/main" val="3907218703"/>
+        <p14:creationId xmlns:p14="http://schemas.microsoft.com/office/powerpoint/2010/main" xmlns="" val="3907218703"/>
       </p:ext>
     </p:extLst>
   </p:cSld>
@@ -3629,7 +3629,7 @@
               <a:pPr>
                 <a:defRPr/>
               </a:pPr>
-              <a:t>2016/12/2</a:t>
+              <a:t>2016/12/16</a:t>
             </a:fld>
             <a:endParaRPr lang="zh-CN" altLang="en-US"/>
           </a:p>
@@ -3692,7 +3692,7 @@
     </p:spTree>
     <p:extLst>
       <p:ext uri="{BB962C8B-B14F-4D97-AF65-F5344CB8AC3E}">
-        <p14:creationId xmlns:p14="http://schemas.microsoft.com/office/powerpoint/2010/main" val="2785115262"/>
+        <p14:creationId xmlns:p14="http://schemas.microsoft.com/office/powerpoint/2010/main" xmlns="" val="2785115262"/>
       </p:ext>
     </p:extLst>
   </p:cSld>
@@ -3777,7 +3777,7 @@
               <a:pPr>
                 <a:defRPr/>
               </a:pPr>
-              <a:t>2016/12/2</a:t>
+              <a:t>2016/12/16</a:t>
             </a:fld>
             <a:endParaRPr lang="zh-CN" altLang="en-US"/>
           </a:p>
@@ -3840,7 +3840,7 @@
     </p:spTree>
     <p:extLst>
       <p:ext uri="{BB962C8B-B14F-4D97-AF65-F5344CB8AC3E}">
-        <p14:creationId xmlns:p14="http://schemas.microsoft.com/office/powerpoint/2010/main" val="243929730"/>
+        <p14:creationId xmlns:p14="http://schemas.microsoft.com/office/powerpoint/2010/main" xmlns="" val="243929730"/>
       </p:ext>
     </p:extLst>
   </p:cSld>
@@ -3894,7 +3894,7 @@
               <a:pPr>
                 <a:defRPr/>
               </a:pPr>
-              <a:t>2016/12/2</a:t>
+              <a:t>2016/12/16</a:t>
             </a:fld>
             <a:endParaRPr lang="zh-CN" altLang="en-US"/>
           </a:p>
@@ -3957,7 +3957,7 @@
     </p:spTree>
     <p:extLst>
       <p:ext uri="{BB962C8B-B14F-4D97-AF65-F5344CB8AC3E}">
-        <p14:creationId xmlns:p14="http://schemas.microsoft.com/office/powerpoint/2010/main" val="1497299221"/>
+        <p14:creationId xmlns:p14="http://schemas.microsoft.com/office/powerpoint/2010/main" xmlns="" val="1497299221"/>
       </p:ext>
     </p:extLst>
   </p:cSld>
@@ -4102,7 +4102,7 @@
               <a:pPr>
                 <a:defRPr/>
               </a:pPr>
-              <a:t>2016/12/2</a:t>
+              <a:t>2016/12/16</a:t>
             </a:fld>
             <a:endParaRPr lang="zh-CN" altLang="en-US"/>
           </a:p>
@@ -4165,7 +4165,7 @@
     </p:spTree>
     <p:extLst>
       <p:ext uri="{BB962C8B-B14F-4D97-AF65-F5344CB8AC3E}">
-        <p14:creationId xmlns:p14="http://schemas.microsoft.com/office/powerpoint/2010/main" val="2361915897"/>
+        <p14:creationId xmlns:p14="http://schemas.microsoft.com/office/powerpoint/2010/main" xmlns="" val="2361915897"/>
       </p:ext>
     </p:extLst>
   </p:cSld>
@@ -4410,7 +4410,7 @@
               <a:pPr>
                 <a:defRPr/>
               </a:pPr>
-              <a:t>2016/12/2</a:t>
+              <a:t>2016/12/16</a:t>
             </a:fld>
             <a:endParaRPr lang="zh-CN" altLang="en-US"/>
           </a:p>
@@ -4473,7 +4473,7 @@
     </p:spTree>
     <p:extLst>
       <p:ext uri="{BB962C8B-B14F-4D97-AF65-F5344CB8AC3E}">
-        <p14:creationId xmlns:p14="http://schemas.microsoft.com/office/powerpoint/2010/main" val="3868444203"/>
+        <p14:creationId xmlns:p14="http://schemas.microsoft.com/office/powerpoint/2010/main" xmlns="" val="3868444203"/>
       </p:ext>
     </p:extLst>
   </p:cSld>
@@ -4695,7 +4695,7 @@
               <a:pPr>
                 <a:defRPr/>
               </a:pPr>
-              <a:t>2016/12/2</a:t>
+              <a:t>2016/12/16</a:t>
             </a:fld>
             <a:endParaRPr lang="zh-CN" altLang="en-US"/>
           </a:p>
@@ -4758,7 +4758,7 @@
     </p:spTree>
     <p:extLst>
       <p:ext uri="{BB962C8B-B14F-4D97-AF65-F5344CB8AC3E}">
-        <p14:creationId xmlns:p14="http://schemas.microsoft.com/office/powerpoint/2010/main" val="120361394"/>
+        <p14:creationId xmlns:p14="http://schemas.microsoft.com/office/powerpoint/2010/main" xmlns="" val="120361394"/>
       </p:ext>
     </p:extLst>
   </p:cSld>
@@ -4903,7 +4903,7 @@
               <a:pPr>
                 <a:defRPr/>
               </a:pPr>
-              <a:t>2016/12/2</a:t>
+              <a:t>2016/12/16</a:t>
             </a:fld>
             <a:endParaRPr lang="zh-CN" altLang="en-US"/>
           </a:p>
@@ -4966,7 +4966,7 @@
     </p:spTree>
     <p:extLst>
       <p:ext uri="{BB962C8B-B14F-4D97-AF65-F5344CB8AC3E}">
-        <p14:creationId xmlns:p14="http://schemas.microsoft.com/office/powerpoint/2010/main" val="2798878525"/>
+        <p14:creationId xmlns:p14="http://schemas.microsoft.com/office/powerpoint/2010/main" xmlns="" val="2798878525"/>
       </p:ext>
     </p:extLst>
   </p:cSld>
@@ -5111,7 +5111,7 @@
               <a:pPr>
                 <a:defRPr/>
               </a:pPr>
-              <a:t>2016/12/2</a:t>
+              <a:t>2016/12/16</a:t>
             </a:fld>
             <a:endParaRPr lang="zh-CN" altLang="en-US"/>
           </a:p>
@@ -5174,7 +5174,7 @@
     </p:spTree>
     <p:extLst>
       <p:ext uri="{BB962C8B-B14F-4D97-AF65-F5344CB8AC3E}">
-        <p14:creationId xmlns:p14="http://schemas.microsoft.com/office/powerpoint/2010/main" val="2795031821"/>
+        <p14:creationId xmlns:p14="http://schemas.microsoft.com/office/powerpoint/2010/main" xmlns="" val="2795031821"/>
       </p:ext>
     </p:extLst>
   </p:cSld>
@@ -5385,7 +5385,7 @@
               <a:pPr>
                 <a:defRPr/>
               </a:pPr>
-              <a:t>2016/12/2</a:t>
+              <a:t>2016/12/16</a:t>
             </a:fld>
             <a:endParaRPr lang="zh-CN" altLang="en-US"/>
           </a:p>
@@ -5448,7 +5448,7 @@
     </p:spTree>
     <p:extLst>
       <p:ext uri="{BB962C8B-B14F-4D97-AF65-F5344CB8AC3E}">
-        <p14:creationId xmlns:p14="http://schemas.microsoft.com/office/powerpoint/2010/main" val="2294804552"/>
+        <p14:creationId xmlns:p14="http://schemas.microsoft.com/office/powerpoint/2010/main" xmlns="" val="2294804552"/>
       </p:ext>
     </p:extLst>
   </p:cSld>
@@ -5653,7 +5653,7 @@
               <a:pPr>
                 <a:defRPr/>
               </a:pPr>
-              <a:t>2016/12/2</a:t>
+              <a:t>2016/12/16</a:t>
             </a:fld>
             <a:endParaRPr lang="zh-CN" altLang="en-US"/>
           </a:p>
@@ -5716,7 +5716,7 @@
     </p:spTree>
     <p:extLst>
       <p:ext uri="{BB962C8B-B14F-4D97-AF65-F5344CB8AC3E}">
-        <p14:creationId xmlns:p14="http://schemas.microsoft.com/office/powerpoint/2010/main" val="3055464990"/>
+        <p14:creationId xmlns:p14="http://schemas.microsoft.com/office/powerpoint/2010/main" xmlns="" val="3055464990"/>
       </p:ext>
     </p:extLst>
   </p:cSld>
@@ -6057,7 +6057,7 @@
               <a:pPr>
                 <a:defRPr/>
               </a:pPr>
-              <a:t>2016/12/2</a:t>
+              <a:t>2016/12/16</a:t>
             </a:fld>
             <a:endParaRPr lang="zh-CN" altLang="en-US"/>
           </a:p>
@@ -6120,7 +6120,7 @@
     </p:spTree>
     <p:extLst>
       <p:ext uri="{BB962C8B-B14F-4D97-AF65-F5344CB8AC3E}">
-        <p14:creationId xmlns:p14="http://schemas.microsoft.com/office/powerpoint/2010/main" val="2015016234"/>
+        <p14:creationId xmlns:p14="http://schemas.microsoft.com/office/powerpoint/2010/main" xmlns="" val="2015016234"/>
       </p:ext>
     </p:extLst>
   </p:cSld>
@@ -6205,7 +6205,7 @@
               <a:pPr>
                 <a:defRPr/>
               </a:pPr>
-              <a:t>2016/12/2</a:t>
+              <a:t>2016/12/16</a:t>
             </a:fld>
             <a:endParaRPr lang="zh-CN" altLang="en-US"/>
           </a:p>
@@ -6268,7 +6268,7 @@
     </p:spTree>
     <p:extLst>
       <p:ext uri="{BB962C8B-B14F-4D97-AF65-F5344CB8AC3E}">
-        <p14:creationId xmlns:p14="http://schemas.microsoft.com/office/powerpoint/2010/main" val="1867931805"/>
+        <p14:creationId xmlns:p14="http://schemas.microsoft.com/office/powerpoint/2010/main" xmlns="" val="1867931805"/>
       </p:ext>
     </p:extLst>
   </p:cSld>
@@ -6322,7 +6322,7 @@
               <a:pPr>
                 <a:defRPr/>
               </a:pPr>
-              <a:t>2016/12/2</a:t>
+              <a:t>2016/12/16</a:t>
             </a:fld>
             <a:endParaRPr lang="zh-CN" altLang="en-US"/>
           </a:p>
@@ -6385,7 +6385,7 @@
     </p:spTree>
     <p:extLst>
       <p:ext uri="{BB962C8B-B14F-4D97-AF65-F5344CB8AC3E}">
-        <p14:creationId xmlns:p14="http://schemas.microsoft.com/office/powerpoint/2010/main" val="3944837558"/>
+        <p14:creationId xmlns:p14="http://schemas.microsoft.com/office/powerpoint/2010/main" xmlns="" val="3944837558"/>
       </p:ext>
     </p:extLst>
   </p:cSld>
@@ -6630,7 +6630,7 @@
               <a:pPr>
                 <a:defRPr/>
               </a:pPr>
-              <a:t>2016/12/2</a:t>
+              <a:t>2016/12/16</a:t>
             </a:fld>
             <a:endParaRPr lang="zh-CN" altLang="en-US"/>
           </a:p>
@@ -6693,7 +6693,7 @@
     </p:spTree>
     <p:extLst>
       <p:ext uri="{BB962C8B-B14F-4D97-AF65-F5344CB8AC3E}">
-        <p14:creationId xmlns:p14="http://schemas.microsoft.com/office/powerpoint/2010/main" val="3899749286"/>
+        <p14:creationId xmlns:p14="http://schemas.microsoft.com/office/powerpoint/2010/main" xmlns="" val="3899749286"/>
       </p:ext>
     </p:extLst>
   </p:cSld>
@@ -6919,7 +6919,7 @@
               <a:pPr>
                 <a:defRPr/>
               </a:pPr>
-              <a:t>2016/12/2</a:t>
+              <a:t>2016/12/16</a:t>
             </a:fld>
             <a:endParaRPr lang="zh-CN" altLang="en-US"/>
           </a:p>
@@ -6982,7 +6982,7 @@
     </p:spTree>
     <p:extLst>
       <p:ext uri="{BB962C8B-B14F-4D97-AF65-F5344CB8AC3E}">
-        <p14:creationId xmlns:p14="http://schemas.microsoft.com/office/powerpoint/2010/main" val="2783191955"/>
+        <p14:creationId xmlns:p14="http://schemas.microsoft.com/office/powerpoint/2010/main" xmlns="" val="2783191955"/>
       </p:ext>
     </p:extLst>
   </p:cSld>
@@ -7060,7 +7060,7 @@
               <a:pPr>
                 <a:defRPr/>
               </a:pPr>
-              <a:t>2016/12/2</a:t>
+              <a:t>2016/12/16</a:t>
             </a:fld>
             <a:endParaRPr lang="zh-CN" altLang="en-US"/>
           </a:p>
@@ -7259,7 +7259,7 @@
           <p:nvPr userDrawn="1"/>
         </p:nvPicPr>
         <p:blipFill>
-          <a:blip r:embed="rId14">
+          <a:blip r:embed="rId14" cstate="print">
             <a:clrChange>
               <a:clrFrom>
                 <a:srgbClr val="FDFDFD"/>
@@ -7272,7 +7272,7 @@
             </a:clrChange>
             <a:extLst>
               <a:ext uri="{28A0092B-C50C-407E-A947-70E740481C1C}">
-                <a14:useLocalDpi xmlns:a14="http://schemas.microsoft.com/office/drawing/2010/main" val="0"/>
+                <a14:useLocalDpi xmlns:a14="http://schemas.microsoft.com/office/drawing/2010/main" xmlns="" val="0"/>
               </a:ext>
             </a:extLst>
           </a:blip>
@@ -7295,14 +7295,14 @@
           </a:ln>
           <a:extLst>
             <a:ext uri="{909E8E84-426E-40DD-AFC4-6F175D3DCCD1}">
-              <a14:hiddenFill xmlns:a14="http://schemas.microsoft.com/office/drawing/2010/main">
+              <a14:hiddenFill xmlns:a14="http://schemas.microsoft.com/office/drawing/2010/main" xmlns="">
                 <a:solidFill>
                   <a:srgbClr val="FFFFFF"/>
                 </a:solidFill>
               </a14:hiddenFill>
             </a:ext>
             <a:ext uri="{91240B29-F687-4F45-9708-019B960494DF}">
-              <a14:hiddenLine xmlns:a14="http://schemas.microsoft.com/office/drawing/2010/main" w="9525">
+              <a14:hiddenLine xmlns:a14="http://schemas.microsoft.com/office/drawing/2010/main" xmlns="" w="9525">
                 <a:solidFill>
                   <a:srgbClr val="000000"/>
                 </a:solidFill>
@@ -7843,7 +7843,7 @@
               <a:pPr>
                 <a:defRPr/>
               </a:pPr>
-              <a:t>2016/12/2</a:t>
+              <a:t>2016/12/16</a:t>
             </a:fld>
             <a:endParaRPr lang="zh-CN" altLang="en-US"/>
           </a:p>
@@ -8042,7 +8042,7 @@
           <p:nvPr userDrawn="1"/>
         </p:nvPicPr>
         <p:blipFill>
-          <a:blip r:embed="rId13">
+          <a:blip r:embed="rId13" cstate="print">
             <a:clrChange>
               <a:clrFrom>
                 <a:srgbClr val="FDFDFD"/>
@@ -8055,7 +8055,7 @@
             </a:clrChange>
             <a:extLst>
               <a:ext uri="{28A0092B-C50C-407E-A947-70E740481C1C}">
-                <a14:useLocalDpi xmlns:a14="http://schemas.microsoft.com/office/drawing/2010/main" val="0"/>
+                <a14:useLocalDpi xmlns:a14="http://schemas.microsoft.com/office/drawing/2010/main" xmlns="" val="0"/>
               </a:ext>
             </a:extLst>
           </a:blip>
@@ -8078,14 +8078,14 @@
           </a:ln>
           <a:extLst>
             <a:ext uri="{909E8E84-426E-40DD-AFC4-6F175D3DCCD1}">
-              <a14:hiddenFill xmlns:a14="http://schemas.microsoft.com/office/drawing/2010/main">
+              <a14:hiddenFill xmlns:a14="http://schemas.microsoft.com/office/drawing/2010/main" xmlns="">
                 <a:solidFill>
                   <a:srgbClr val="FFFFFF"/>
                 </a:solidFill>
               </a14:hiddenFill>
             </a:ext>
             <a:ext uri="{91240B29-F687-4F45-9708-019B960494DF}">
-              <a14:hiddenLine xmlns:a14="http://schemas.microsoft.com/office/drawing/2010/main" w="9525">
+              <a14:hiddenLine xmlns:a14="http://schemas.microsoft.com/office/drawing/2010/main" xmlns="" w="9525">
                 <a:solidFill>
                   <a:srgbClr val="000000"/>
                 </a:solidFill>
@@ -8598,7 +8598,7 @@
           </a:ln>
           <a:extLst>
             <a:ext uri="{91240B29-F687-4F45-9708-019B960494DF}">
-              <a14:hiddenLine xmlns:a14="http://schemas.microsoft.com/office/drawing/2010/main" w="9525">
+              <a14:hiddenLine xmlns:a14="http://schemas.microsoft.com/office/drawing/2010/main" xmlns="" w="9525">
                 <a:solidFill>
                   <a:srgbClr val="000000"/>
                 </a:solidFill>
@@ -8738,10 +8738,10 @@
           <p:nvPr/>
         </p:nvPicPr>
         <p:blipFill>
-          <a:blip r:embed="rId3">
+          <a:blip r:embed="rId3" cstate="print">
             <a:extLst>
               <a:ext uri="{28A0092B-C50C-407E-A947-70E740481C1C}">
-                <a14:useLocalDpi xmlns:a14="http://schemas.microsoft.com/office/drawing/2010/main" val="0"/>
+                <a14:useLocalDpi xmlns:a14="http://schemas.microsoft.com/office/drawing/2010/main" xmlns="" val="0"/>
               </a:ext>
             </a:extLst>
           </a:blip>
@@ -8764,14 +8764,14 @@
           </a:ln>
           <a:extLst>
             <a:ext uri="{909E8E84-426E-40DD-AFC4-6F175D3DCCD1}">
-              <a14:hiddenFill xmlns:a14="http://schemas.microsoft.com/office/drawing/2010/main">
+              <a14:hiddenFill xmlns:a14="http://schemas.microsoft.com/office/drawing/2010/main" xmlns="">
                 <a:solidFill>
                   <a:srgbClr val="FFFFFF"/>
                 </a:solidFill>
               </a14:hiddenFill>
             </a:ext>
             <a:ext uri="{91240B29-F687-4F45-9708-019B960494DF}">
-              <a14:hiddenLine xmlns:a14="http://schemas.microsoft.com/office/drawing/2010/main" w="9525">
+              <a14:hiddenLine xmlns:a14="http://schemas.microsoft.com/office/drawing/2010/main" xmlns="" w="9525">
                 <a:solidFill>
                   <a:srgbClr val="000000"/>
                 </a:solidFill>
@@ -8807,7 +8807,7 @@
           </a:ln>
           <a:extLst>
             <a:ext uri="{91240B29-F687-4F45-9708-019B960494DF}">
-              <a14:hiddenLine xmlns:a14="http://schemas.microsoft.com/office/drawing/2010/main" w="9525">
+              <a14:hiddenLine xmlns:a14="http://schemas.microsoft.com/office/drawing/2010/main" xmlns="" w="9525">
                 <a:solidFill>
                   <a:srgbClr val="000000"/>
                 </a:solidFill>
@@ -8962,7 +8962,7 @@
           </a:ln>
           <a:extLst>
             <a:ext uri="{91240B29-F687-4F45-9708-019B960494DF}">
-              <a14:hiddenLine xmlns:a14="http://schemas.microsoft.com/office/drawing/2010/main" w="9525">
+              <a14:hiddenLine xmlns:a14="http://schemas.microsoft.com/office/drawing/2010/main" xmlns="" w="9525">
                 <a:solidFill>
                   <a:srgbClr val="000000"/>
                 </a:solidFill>
@@ -9363,7 +9363,7 @@
           </a:ln>
           <a:extLst>
             <a:ext uri="{91240B29-F687-4F45-9708-019B960494DF}">
-              <a14:hiddenLine xmlns:a14="http://schemas.microsoft.com/office/drawing/2010/main" w="25400">
+              <a14:hiddenLine xmlns:a14="http://schemas.microsoft.com/office/drawing/2010/main" xmlns="" w="25400">
                 <a:solidFill>
                   <a:srgbClr val="000000"/>
                 </a:solidFill>
@@ -9494,276 +9494,6 @@
           </a:p>
         </p:txBody>
       </p:sp>
-      <p:pic>
-        <p:nvPicPr>
-          <p:cNvPr id="4106" name="图片"/>
-          <p:cNvPicPr>
-            <a:picLocks noChangeAspect="1" noChangeArrowheads="1"/>
-          </p:cNvPicPr>
-          <p:nvPr/>
-        </p:nvPicPr>
-        <p:blipFill>
-          <a:blip r:embed="rId4">
-            <a:extLst>
-              <a:ext uri="{28A0092B-C50C-407E-A947-70E740481C1C}">
-                <a14:useLocalDpi xmlns:a14="http://schemas.microsoft.com/office/drawing/2010/main" val="0"/>
-              </a:ext>
-            </a:extLst>
-          </a:blip>
-          <a:srcRect/>
-          <a:stretch>
-            <a:fillRect/>
-          </a:stretch>
-        </p:blipFill>
-        <p:spPr bwMode="auto">
-          <a:xfrm>
-            <a:off x="4072648" y="4001736"/>
-            <a:ext cx="1286098" cy="943266"/>
-          </a:xfrm>
-          <a:prstGeom prst="rect">
-            <a:avLst/>
-          </a:prstGeom>
-          <a:noFill/>
-          <a:ln>
-            <a:noFill/>
-          </a:ln>
-          <a:extLst>
-            <a:ext uri="{909E8E84-426E-40DD-AFC4-6F175D3DCCD1}">
-              <a14:hiddenFill xmlns:a14="http://schemas.microsoft.com/office/drawing/2010/main">
-                <a:solidFill>
-                  <a:srgbClr val="FFFFFF"/>
-                </a:solidFill>
-              </a14:hiddenFill>
-            </a:ext>
-            <a:ext uri="{91240B29-F687-4F45-9708-019B960494DF}">
-              <a14:hiddenLine xmlns:a14="http://schemas.microsoft.com/office/drawing/2010/main" w="9525">
-                <a:solidFill>
-                  <a:srgbClr val="000000"/>
-                </a:solidFill>
-                <a:miter lim="800000"/>
-                <a:headEnd/>
-                <a:tailEnd/>
-              </a14:hiddenLine>
-            </a:ext>
-          </a:extLst>
-        </p:spPr>
-      </p:pic>
-      <p:pic>
-        <p:nvPicPr>
-          <p:cNvPr id="4107" name="图片" descr="C:\Documents and Settings\Administrator\Application Data\Tencent\Users\395089902\QQ\WinTemp\RichOle\J~QLZTK][6F2SX6%S7BB@`S.png"/>
-          <p:cNvPicPr>
-            <a:picLocks noChangeAspect="1" noChangeArrowheads="1"/>
-          </p:cNvPicPr>
-          <p:nvPr/>
-        </p:nvPicPr>
-        <p:blipFill>
-          <a:blip r:embed="rId5">
-            <a:extLst>
-              <a:ext uri="{28A0092B-C50C-407E-A947-70E740481C1C}">
-                <a14:useLocalDpi xmlns:a14="http://schemas.microsoft.com/office/drawing/2010/main" val="0"/>
-              </a:ext>
-            </a:extLst>
-          </a:blip>
-          <a:srcRect/>
-          <a:stretch>
-            <a:fillRect/>
-          </a:stretch>
-        </p:blipFill>
-        <p:spPr bwMode="auto">
-          <a:xfrm>
-            <a:off x="2214948" y="4001736"/>
-            <a:ext cx="1428998" cy="928974"/>
-          </a:xfrm>
-          <a:prstGeom prst="rect">
-            <a:avLst/>
-          </a:prstGeom>
-          <a:noFill/>
-          <a:ln>
-            <a:noFill/>
-          </a:ln>
-          <a:extLst>
-            <a:ext uri="{909E8E84-426E-40DD-AFC4-6F175D3DCCD1}">
-              <a14:hiddenFill xmlns:a14="http://schemas.microsoft.com/office/drawing/2010/main">
-                <a:solidFill>
-                  <a:srgbClr val="FFFFFF"/>
-                </a:solidFill>
-              </a14:hiddenFill>
-            </a:ext>
-            <a:ext uri="{91240B29-F687-4F45-9708-019B960494DF}">
-              <a14:hiddenLine xmlns:a14="http://schemas.microsoft.com/office/drawing/2010/main" w="9525">
-                <a:solidFill>
-                  <a:srgbClr val="000000"/>
-                </a:solidFill>
-                <a:miter lim="800000"/>
-                <a:headEnd/>
-                <a:tailEnd/>
-              </a14:hiddenLine>
-            </a:ext>
-          </a:extLst>
-        </p:spPr>
-      </p:pic>
-      <p:pic>
-        <p:nvPicPr>
-          <p:cNvPr id="4108" name="图片" descr="C:\Documents and Settings\Administrator\Application Data\Tencent\Users\395089902\QQ\WinTemp\RichOle\{49OS9GH4RQ9K]QG)B%9PLA.jpg"/>
-          <p:cNvPicPr>
-            <a:picLocks noChangeAspect="1" noChangeArrowheads="1"/>
-          </p:cNvPicPr>
-          <p:nvPr/>
-        </p:nvPicPr>
-        <p:blipFill>
-          <a:blip r:embed="rId6">
-            <a:extLst>
-              <a:ext uri="{28A0092B-C50C-407E-A947-70E740481C1C}">
-                <a14:useLocalDpi xmlns:a14="http://schemas.microsoft.com/office/drawing/2010/main" val="0"/>
-              </a:ext>
-            </a:extLst>
-          </a:blip>
-          <a:srcRect/>
-          <a:stretch>
-            <a:fillRect/>
-          </a:stretch>
-        </p:blipFill>
-        <p:spPr bwMode="auto">
-          <a:xfrm>
-            <a:off x="7573693" y="4001736"/>
-            <a:ext cx="1357549" cy="928974"/>
-          </a:xfrm>
-          <a:prstGeom prst="rect">
-            <a:avLst/>
-          </a:prstGeom>
-          <a:noFill/>
-          <a:ln>
-            <a:noFill/>
-          </a:ln>
-          <a:extLst>
-            <a:ext uri="{909E8E84-426E-40DD-AFC4-6F175D3DCCD1}">
-              <a14:hiddenFill xmlns:a14="http://schemas.microsoft.com/office/drawing/2010/main">
-                <a:solidFill>
-                  <a:srgbClr val="FFFFFF"/>
-                </a:solidFill>
-              </a14:hiddenFill>
-            </a:ext>
-            <a:ext uri="{91240B29-F687-4F45-9708-019B960494DF}">
-              <a14:hiddenLine xmlns:a14="http://schemas.microsoft.com/office/drawing/2010/main" w="9525">
-                <a:solidFill>
-                  <a:srgbClr val="000000"/>
-                </a:solidFill>
-                <a:miter lim="800000"/>
-                <a:headEnd/>
-                <a:tailEnd/>
-              </a14:hiddenLine>
-            </a:ext>
-          </a:extLst>
-        </p:spPr>
-      </p:pic>
-      <p:pic>
-        <p:nvPicPr>
-          <p:cNvPr id="4109" name="图片" descr="C:\Documents and Settings\Administrator\Application Data\Tencent\Users\395089902\QQ\WinTemp\RichOle\`O}O`B0PA28$@()BGVHB[P0.jpg"/>
-          <p:cNvPicPr>
-            <a:picLocks noChangeAspect="1" noChangeArrowheads="1"/>
-          </p:cNvPicPr>
-          <p:nvPr/>
-        </p:nvPicPr>
-        <p:blipFill>
-          <a:blip r:embed="rId7">
-            <a:extLst>
-              <a:ext uri="{28A0092B-C50C-407E-A947-70E740481C1C}">
-                <a14:useLocalDpi xmlns:a14="http://schemas.microsoft.com/office/drawing/2010/main" val="0"/>
-              </a:ext>
-            </a:extLst>
-          </a:blip>
-          <a:srcRect/>
-          <a:stretch>
-            <a:fillRect/>
-          </a:stretch>
-        </p:blipFill>
-        <p:spPr bwMode="auto">
-          <a:xfrm>
-            <a:off x="5787443" y="4001736"/>
-            <a:ext cx="1357548" cy="928974"/>
-          </a:xfrm>
-          <a:prstGeom prst="rect">
-            <a:avLst/>
-          </a:prstGeom>
-          <a:noFill/>
-          <a:ln>
-            <a:noFill/>
-          </a:ln>
-          <a:extLst>
-            <a:ext uri="{909E8E84-426E-40DD-AFC4-6F175D3DCCD1}">
-              <a14:hiddenFill xmlns:a14="http://schemas.microsoft.com/office/drawing/2010/main">
-                <a:solidFill>
-                  <a:srgbClr val="FFFFFF"/>
-                </a:solidFill>
-              </a14:hiddenFill>
-            </a:ext>
-            <a:ext uri="{91240B29-F687-4F45-9708-019B960494DF}">
-              <a14:hiddenLine xmlns:a14="http://schemas.microsoft.com/office/drawing/2010/main" w="9525">
-                <a:solidFill>
-                  <a:srgbClr val="000000"/>
-                </a:solidFill>
-                <a:miter lim="800000"/>
-                <a:headEnd/>
-                <a:tailEnd/>
-              </a14:hiddenLine>
-            </a:ext>
-          </a:extLst>
-        </p:spPr>
-      </p:pic>
-      <p:pic>
-        <p:nvPicPr>
-          <p:cNvPr id="4110" name="图片" descr="C:\Documents and Settings\Administrator\Application Data\Tencent\Users\395089902\QQ\WinTemp\RichOle\9P]$)LDX%F)R`@83A@A5MIF.jpg"/>
-          <p:cNvPicPr>
-            <a:picLocks noChangeAspect="1" noChangeArrowheads="1"/>
-          </p:cNvPicPr>
-          <p:nvPr/>
-        </p:nvPicPr>
-        <p:blipFill>
-          <a:blip r:embed="rId8">
-            <a:extLst>
-              <a:ext uri="{28A0092B-C50C-407E-A947-70E740481C1C}">
-                <a14:useLocalDpi xmlns:a14="http://schemas.microsoft.com/office/drawing/2010/main" val="0"/>
-              </a:ext>
-            </a:extLst>
-          </a:blip>
-          <a:srcRect/>
-          <a:stretch>
-            <a:fillRect/>
-          </a:stretch>
-        </p:blipFill>
-        <p:spPr bwMode="auto">
-          <a:xfrm>
-            <a:off x="285800" y="4001736"/>
-            <a:ext cx="1428998" cy="928974"/>
-          </a:xfrm>
-          <a:prstGeom prst="rect">
-            <a:avLst/>
-          </a:prstGeom>
-          <a:noFill/>
-          <a:ln>
-            <a:noFill/>
-          </a:ln>
-          <a:extLst>
-            <a:ext uri="{909E8E84-426E-40DD-AFC4-6F175D3DCCD1}">
-              <a14:hiddenFill xmlns:a14="http://schemas.microsoft.com/office/drawing/2010/main">
-                <a:solidFill>
-                  <a:srgbClr val="FFFFFF"/>
-                </a:solidFill>
-              </a14:hiddenFill>
-            </a:ext>
-            <a:ext uri="{91240B29-F687-4F45-9708-019B960494DF}">
-              <a14:hiddenLine xmlns:a14="http://schemas.microsoft.com/office/drawing/2010/main" w="9525">
-                <a:solidFill>
-                  <a:srgbClr val="000000"/>
-                </a:solidFill>
-                <a:miter lim="800000"/>
-                <a:headEnd/>
-                <a:tailEnd/>
-              </a14:hiddenLine>
-            </a:ext>
-          </a:extLst>
-        </p:spPr>
-      </p:pic>
       <p:sp>
         <p:nvSpPr>
           <p:cNvPr id="4111" name="矩形"/>
@@ -9788,7 +9518,7 @@
           </a:ln>
           <a:extLst>
             <a:ext uri="{91240B29-F687-4F45-9708-019B960494DF}">
-              <a14:hiddenLine xmlns:a14="http://schemas.microsoft.com/office/drawing/2010/main" w="25400">
+              <a14:hiddenLine xmlns:a14="http://schemas.microsoft.com/office/drawing/2010/main" xmlns="" w="25400">
                 <a:solidFill>
                   <a:srgbClr val="000000"/>
                 </a:solidFill>
@@ -10841,14 +10571,14 @@
           </a:ln>
           <a:extLst>
             <a:ext uri="{909E8E84-426E-40DD-AFC4-6F175D3DCCD1}">
-              <a14:hiddenFill xmlns:a14="http://schemas.microsoft.com/office/drawing/2010/main">
+              <a14:hiddenFill xmlns:a14="http://schemas.microsoft.com/office/drawing/2010/main" xmlns="">
                 <a:solidFill>
                   <a:srgbClr val="FFFFFF"/>
                 </a:solidFill>
               </a14:hiddenFill>
             </a:ext>
             <a:ext uri="{91240B29-F687-4F45-9708-019B960494DF}">
-              <a14:hiddenLine xmlns:a14="http://schemas.microsoft.com/office/drawing/2010/main" w="9525">
+              <a14:hiddenLine xmlns:a14="http://schemas.microsoft.com/office/drawing/2010/main" xmlns="" w="9525">
                 <a:solidFill>
                   <a:srgbClr val="000000"/>
                 </a:solidFill>
@@ -11748,14 +11478,14 @@
           </a:ln>
           <a:extLst>
             <a:ext uri="{909E8E84-426E-40DD-AFC4-6F175D3DCCD1}">
-              <a14:hiddenFill xmlns:a14="http://schemas.microsoft.com/office/drawing/2010/main">
+              <a14:hiddenFill xmlns:a14="http://schemas.microsoft.com/office/drawing/2010/main" xmlns="">
                 <a:solidFill>
                   <a:srgbClr val="FFFFFF"/>
                 </a:solidFill>
               </a14:hiddenFill>
             </a:ext>
             <a:ext uri="{91240B29-F687-4F45-9708-019B960494DF}">
-              <a14:hiddenLine xmlns:a14="http://schemas.microsoft.com/office/drawing/2010/main" w="9525">
+              <a14:hiddenLine xmlns:a14="http://schemas.microsoft.com/office/drawing/2010/main" xmlns="" w="9525">
                 <a:solidFill>
                   <a:srgbClr val="000000"/>
                 </a:solidFill>
@@ -11917,14 +11647,14 @@
           </a:ln>
           <a:extLst>
             <a:ext uri="{909E8E84-426E-40DD-AFC4-6F175D3DCCD1}">
-              <a14:hiddenFill xmlns:a14="http://schemas.microsoft.com/office/drawing/2010/main">
+              <a14:hiddenFill xmlns:a14="http://schemas.microsoft.com/office/drawing/2010/main" xmlns="">
                 <a:solidFill>
                   <a:srgbClr val="FFFFFF"/>
                 </a:solidFill>
               </a14:hiddenFill>
             </a:ext>
             <a:ext uri="{91240B29-F687-4F45-9708-019B960494DF}">
-              <a14:hiddenLine xmlns:a14="http://schemas.microsoft.com/office/drawing/2010/main" w="9525">
+              <a14:hiddenLine xmlns:a14="http://schemas.microsoft.com/office/drawing/2010/main" xmlns="" w="9525">
                 <a:solidFill>
                   <a:srgbClr val="000000"/>
                 </a:solidFill>
@@ -12086,14 +11816,14 @@
           </a:ln>
           <a:extLst>
             <a:ext uri="{909E8E84-426E-40DD-AFC4-6F175D3DCCD1}">
-              <a14:hiddenFill xmlns:a14="http://schemas.microsoft.com/office/drawing/2010/main">
+              <a14:hiddenFill xmlns:a14="http://schemas.microsoft.com/office/drawing/2010/main" xmlns="">
                 <a:solidFill>
                   <a:srgbClr val="FFFFFF"/>
                 </a:solidFill>
               </a14:hiddenFill>
             </a:ext>
             <a:ext uri="{91240B29-F687-4F45-9708-019B960494DF}">
-              <a14:hiddenLine xmlns:a14="http://schemas.microsoft.com/office/drawing/2010/main" w="9525">
+              <a14:hiddenLine xmlns:a14="http://schemas.microsoft.com/office/drawing/2010/main" xmlns="" w="9525">
                 <a:solidFill>
                   <a:srgbClr val="000000"/>
                 </a:solidFill>
@@ -12582,14 +12312,14 @@
           </a:ln>
           <a:extLst>
             <a:ext uri="{909E8E84-426E-40DD-AFC4-6F175D3DCCD1}">
-              <a14:hiddenFill xmlns:a14="http://schemas.microsoft.com/office/drawing/2010/main">
+              <a14:hiddenFill xmlns:a14="http://schemas.microsoft.com/office/drawing/2010/main" xmlns="">
                 <a:solidFill>
                   <a:srgbClr val="FFFFFF"/>
                 </a:solidFill>
               </a14:hiddenFill>
             </a:ext>
             <a:ext uri="{91240B29-F687-4F45-9708-019B960494DF}">
-              <a14:hiddenLine xmlns:a14="http://schemas.microsoft.com/office/drawing/2010/main" w="9525">
+              <a14:hiddenLine xmlns:a14="http://schemas.microsoft.com/office/drawing/2010/main" xmlns="" w="9525">
                 <a:solidFill>
                   <a:srgbClr val="000000"/>
                 </a:solidFill>
@@ -12780,7 +12510,7 @@
                 <a:latin typeface="微软雅黑" panose="020B0503020204020204" pitchFamily="34" charset="-122"/>
                 <a:ea typeface="微软雅黑" panose="020B0503020204020204" pitchFamily="34" charset="-122"/>
               </a:rPr>
-              <a:t>总结</a:t>
+              <a:t>罗马攻略</a:t>
             </a:r>
             <a:endParaRPr lang="zh-CN" altLang="en-US" dirty="0"/>
           </a:p>
@@ -13102,7 +12832,7 @@
           </a:ln>
           <a:extLst>
             <a:ext uri="{91240B29-F687-4F45-9708-019B960494DF}">
-              <a14:hiddenLine xmlns:a14="http://schemas.microsoft.com/office/drawing/2010/main" w="9525">
+              <a14:hiddenLine xmlns:a14="http://schemas.microsoft.com/office/drawing/2010/main" xmlns="" w="9525">
                 <a:solidFill>
                   <a:srgbClr val="000000"/>
                 </a:solidFill>
@@ -13150,14 +12880,14 @@
           </a:ln>
           <a:extLst>
             <a:ext uri="{909E8E84-426E-40DD-AFC4-6F175D3DCCD1}">
-              <a14:hiddenFill xmlns:a14="http://schemas.microsoft.com/office/drawing/2010/main">
+              <a14:hiddenFill xmlns:a14="http://schemas.microsoft.com/office/drawing/2010/main" xmlns="">
                 <a:solidFill>
                   <a:srgbClr val="FFFFFF"/>
                 </a:solidFill>
               </a14:hiddenFill>
             </a:ext>
             <a:ext uri="{91240B29-F687-4F45-9708-019B960494DF}">
-              <a14:hiddenLine xmlns:a14="http://schemas.microsoft.com/office/drawing/2010/main" w="9525">
+              <a14:hiddenLine xmlns:a14="http://schemas.microsoft.com/office/drawing/2010/main" xmlns="" w="9525">
                 <a:solidFill>
                   <a:srgbClr val="000000"/>
                 </a:solidFill>
@@ -13211,6 +12941,7 @@
           <a:p>
             <a:fld id="{FB851DA4-9CCF-4E60-BC8E-8CAEAF5A4C6C}" type="slidenum">
               <a:rPr lang="zh-CN" altLang="en-US" smtClean="0"/>
+              <a:pPr/>
               <a:t>2</a:t>
             </a:fld>
             <a:endParaRPr lang="zh-CN" altLang="en-US" dirty="0"/>
@@ -16931,7 +16662,7 @@
     </p:spTree>
     <p:extLst>
       <p:ext uri="{BB962C8B-B14F-4D97-AF65-F5344CB8AC3E}">
-        <p14:creationId xmlns:p14="http://schemas.microsoft.com/office/powerpoint/2010/main" val="2875676026"/>
+        <p14:creationId xmlns:p14="http://schemas.microsoft.com/office/powerpoint/2010/main" xmlns="" val="2875676026"/>
       </p:ext>
     </p:extLst>
   </p:cSld>
@@ -17141,7 +16872,7 @@
     </p:spTree>
     <p:extLst>
       <p:ext uri="{BB962C8B-B14F-4D97-AF65-F5344CB8AC3E}">
-        <p14:creationId xmlns:p14="http://schemas.microsoft.com/office/powerpoint/2010/main" val="577427367"/>
+        <p14:creationId xmlns:p14="http://schemas.microsoft.com/office/powerpoint/2010/main" xmlns="" val="577427367"/>
       </p:ext>
     </p:extLst>
   </p:cSld>
@@ -17323,7 +17054,7 @@
           </a:ln>
           <a:extLst>
             <a:ext uri="{91240B29-F687-4F45-9708-019B960494DF}">
-              <a14:hiddenLine xmlns:a14="http://schemas.microsoft.com/office/drawing/2010/main" w="9525">
+              <a14:hiddenLine xmlns:a14="http://schemas.microsoft.com/office/drawing/2010/main" xmlns="" w="9525">
                 <a:solidFill>
                   <a:srgbClr val="000000"/>
                 </a:solidFill>
@@ -17387,14 +17118,14 @@
             </a:ln>
             <a:extLst>
               <a:ext uri="{909E8E84-426E-40DD-AFC4-6F175D3DCCD1}">
-                <a14:hiddenFill xmlns:a14="http://schemas.microsoft.com/office/drawing/2010/main">
+                <a14:hiddenFill xmlns:a14="http://schemas.microsoft.com/office/drawing/2010/main" xmlns="">
                   <a:solidFill>
                     <a:srgbClr val="FFFFFF"/>
                   </a:solidFill>
                 </a14:hiddenFill>
               </a:ext>
               <a:ext uri="{91240B29-F687-4F45-9708-019B960494DF}">
-                <a14:hiddenLine xmlns:a14="http://schemas.microsoft.com/office/drawing/2010/main" w="9525">
+                <a14:hiddenLine xmlns:a14="http://schemas.microsoft.com/office/drawing/2010/main" xmlns="" w="9525">
                   <a:solidFill>
                     <a:srgbClr val="000000"/>
                   </a:solidFill>
@@ -17471,7 +17202,7 @@
             </a:ln>
             <a:extLst>
               <a:ext uri="{91240B29-F687-4F45-9708-019B960494DF}">
-                <a14:hiddenLine xmlns:a14="http://schemas.microsoft.com/office/drawing/2010/main" w="9525">
+                <a14:hiddenLine xmlns:a14="http://schemas.microsoft.com/office/drawing/2010/main" xmlns="" w="9525">
                   <a:solidFill>
                     <a:srgbClr val="000000"/>
                   </a:solidFill>
@@ -17553,7 +17284,7 @@
           </a:ln>
           <a:extLst>
             <a:ext uri="{909E8E84-426E-40DD-AFC4-6F175D3DCCD1}">
-              <a14:hiddenFill xmlns:a14="http://schemas.microsoft.com/office/drawing/2010/main">
+              <a14:hiddenFill xmlns:a14="http://schemas.microsoft.com/office/drawing/2010/main" xmlns="">
                 <a:noFill/>
               </a14:hiddenFill>
             </a:ext>
@@ -18786,6 +18517,7 @@
           <a:p>
             <a:fld id="{FB851DA4-9CCF-4E60-BC8E-8CAEAF5A4C6C}" type="slidenum">
               <a:rPr lang="zh-CN" altLang="en-US" smtClean="0"/>
+              <a:pPr/>
               <a:t>4</a:t>
             </a:fld>
             <a:endParaRPr lang="zh-CN" altLang="en-US" dirty="0"/>
@@ -18795,7 +18527,7 @@
     </p:spTree>
     <p:extLst>
       <p:ext uri="{BB962C8B-B14F-4D97-AF65-F5344CB8AC3E}">
-        <p14:creationId xmlns:p14="http://schemas.microsoft.com/office/powerpoint/2010/main" val="405093333"/>
+        <p14:creationId xmlns:p14="http://schemas.microsoft.com/office/powerpoint/2010/main" xmlns="" val="405093333"/>
       </p:ext>
     </p:extLst>
   </p:cSld>
@@ -19051,6 +18783,7 @@
           <a:p>
             <a:fld id="{FB851DA4-9CCF-4E60-BC8E-8CAEAF5A4C6C}" type="slidenum">
               <a:rPr lang="zh-CN" altLang="en-US" smtClean="0"/>
+              <a:pPr/>
               <a:t>5</a:t>
             </a:fld>
             <a:endParaRPr lang="zh-CN" altLang="en-US" dirty="0"/>
@@ -19084,7 +18817,7 @@
           </a:ln>
           <a:extLst>
             <a:ext uri="{909E8E84-426E-40DD-AFC4-6F175D3DCCD1}">
-              <a14:hiddenFill xmlns:a14="http://schemas.microsoft.com/office/drawing/2010/main">
+              <a14:hiddenFill xmlns:a14="http://schemas.microsoft.com/office/drawing/2010/main" xmlns="">
                 <a:noFill/>
               </a14:hiddenFill>
             </a:ext>
@@ -19106,7 +18839,7 @@
     </p:spTree>
     <p:extLst>
       <p:ext uri="{BB962C8B-B14F-4D97-AF65-F5344CB8AC3E}">
-        <p14:creationId xmlns:p14="http://schemas.microsoft.com/office/powerpoint/2010/main" val="2250201712"/>
+        <p14:creationId xmlns:p14="http://schemas.microsoft.com/office/powerpoint/2010/main" xmlns="" val="2250201712"/>
       </p:ext>
     </p:extLst>
   </p:cSld>
@@ -19288,7 +19021,7 @@
           </a:ln>
           <a:extLst>
             <a:ext uri="{91240B29-F687-4F45-9708-019B960494DF}">
-              <a14:hiddenLine xmlns:a14="http://schemas.microsoft.com/office/drawing/2010/main" w="9525">
+              <a14:hiddenLine xmlns:a14="http://schemas.microsoft.com/office/drawing/2010/main" xmlns="" w="9525">
                 <a:solidFill>
                   <a:srgbClr val="000000"/>
                 </a:solidFill>
@@ -19352,14 +19085,14 @@
             </a:ln>
             <a:extLst>
               <a:ext uri="{909E8E84-426E-40DD-AFC4-6F175D3DCCD1}">
-                <a14:hiddenFill xmlns:a14="http://schemas.microsoft.com/office/drawing/2010/main">
+                <a14:hiddenFill xmlns:a14="http://schemas.microsoft.com/office/drawing/2010/main" xmlns="">
                   <a:solidFill>
                     <a:srgbClr val="FFFFFF"/>
                   </a:solidFill>
                 </a14:hiddenFill>
               </a:ext>
               <a:ext uri="{91240B29-F687-4F45-9708-019B960494DF}">
-                <a14:hiddenLine xmlns:a14="http://schemas.microsoft.com/office/drawing/2010/main" w="9525">
+                <a14:hiddenLine xmlns:a14="http://schemas.microsoft.com/office/drawing/2010/main" xmlns="" w="9525">
                   <a:solidFill>
                     <a:srgbClr val="000000"/>
                   </a:solidFill>
@@ -19436,7 +19169,7 @@
             </a:ln>
             <a:extLst>
               <a:ext uri="{91240B29-F687-4F45-9708-019B960494DF}">
-                <a14:hiddenLine xmlns:a14="http://schemas.microsoft.com/office/drawing/2010/main" w="9525">
+                <a14:hiddenLine xmlns:a14="http://schemas.microsoft.com/office/drawing/2010/main" xmlns="" w="9525">
                   <a:solidFill>
                     <a:srgbClr val="000000"/>
                   </a:solidFill>
@@ -19518,7 +19251,7 @@
           </a:ln>
           <a:extLst>
             <a:ext uri="{909E8E84-426E-40DD-AFC4-6F175D3DCCD1}">
-              <a14:hiddenFill xmlns:a14="http://schemas.microsoft.com/office/drawing/2010/main">
+              <a14:hiddenFill xmlns:a14="http://schemas.microsoft.com/office/drawing/2010/main" xmlns="">
                 <a:noFill/>
               </a14:hiddenFill>
             </a:ext>
@@ -20751,6 +20484,7 @@
           <a:p>
             <a:fld id="{FB851DA4-9CCF-4E60-BC8E-8CAEAF5A4C6C}" type="slidenum">
               <a:rPr lang="zh-CN" altLang="en-US" smtClean="0"/>
+              <a:pPr/>
               <a:t>6</a:t>
             </a:fld>
             <a:endParaRPr lang="zh-CN" altLang="en-US" dirty="0"/>
@@ -20760,7 +20494,7 @@
     </p:spTree>
     <p:extLst>
       <p:ext uri="{BB962C8B-B14F-4D97-AF65-F5344CB8AC3E}">
-        <p14:creationId xmlns:p14="http://schemas.microsoft.com/office/powerpoint/2010/main" val="748434238"/>
+        <p14:creationId xmlns:p14="http://schemas.microsoft.com/office/powerpoint/2010/main" xmlns="" val="748434238"/>
       </p:ext>
     </p:extLst>
   </p:cSld>
@@ -21011,10 +20745,10 @@
           <p:nvPr/>
         </p:nvPicPr>
         <p:blipFill>
-          <a:blip r:embed="rId3">
+          <a:blip r:embed="rId3" cstate="print">
             <a:extLst>
               <a:ext uri="{28A0092B-C50C-407E-A947-70E740481C1C}">
-                <a14:useLocalDpi xmlns:a14="http://schemas.microsoft.com/office/drawing/2010/main" val="0"/>
+                <a14:useLocalDpi xmlns:a14="http://schemas.microsoft.com/office/drawing/2010/main" xmlns="" val="0"/>
               </a:ext>
             </a:extLst>
           </a:blip>
@@ -21037,14 +20771,14 @@
           </a:ln>
           <a:extLst>
             <a:ext uri="{909E8E84-426E-40DD-AFC4-6F175D3DCCD1}">
-              <a14:hiddenFill xmlns:a14="http://schemas.microsoft.com/office/drawing/2010/main">
+              <a14:hiddenFill xmlns:a14="http://schemas.microsoft.com/office/drawing/2010/main" xmlns="">
                 <a:solidFill>
                   <a:srgbClr val="FFFFFF"/>
                 </a:solidFill>
               </a14:hiddenFill>
             </a:ext>
             <a:ext uri="{91240B29-F687-4F45-9708-019B960494DF}">
-              <a14:hiddenLine xmlns:a14="http://schemas.microsoft.com/office/drawing/2010/main" w="9525">
+              <a14:hiddenLine xmlns:a14="http://schemas.microsoft.com/office/drawing/2010/main" xmlns="" w="9525">
                 <a:solidFill>
                   <a:srgbClr val="000000"/>
                 </a:solidFill>
@@ -21080,7 +20814,7 @@
           </a:ln>
           <a:extLst>
             <a:ext uri="{91240B29-F687-4F45-9708-019B960494DF}">
-              <a14:hiddenLine xmlns:a14="http://schemas.microsoft.com/office/drawing/2010/main" w="9525">
+              <a14:hiddenLine xmlns:a14="http://schemas.microsoft.com/office/drawing/2010/main" xmlns="" w="9525">
                 <a:solidFill>
                   <a:srgbClr val="000000"/>
                 </a:solidFill>
@@ -21235,7 +20969,7 @@
           </a:ln>
           <a:extLst>
             <a:ext uri="{91240B29-F687-4F45-9708-019B960494DF}">
-              <a14:hiddenLine xmlns:a14="http://schemas.microsoft.com/office/drawing/2010/main" w="9525">
+              <a14:hiddenLine xmlns:a14="http://schemas.microsoft.com/office/drawing/2010/main" xmlns="" w="9525">
                 <a:solidFill>
                   <a:srgbClr val="000000"/>
                 </a:solidFill>
@@ -21388,14 +21122,14 @@
           </a:ln>
           <a:extLst>
             <a:ext uri="{909E8E84-426E-40DD-AFC4-6F175D3DCCD1}">
-              <a14:hiddenFill xmlns:a14="http://schemas.microsoft.com/office/drawing/2010/main">
+              <a14:hiddenFill xmlns:a14="http://schemas.microsoft.com/office/drawing/2010/main" xmlns="">
                 <a:solidFill>
                   <a:srgbClr val="FFFFFF"/>
                 </a:solidFill>
               </a14:hiddenFill>
             </a:ext>
             <a:ext uri="{91240B29-F687-4F45-9708-019B960494DF}">
-              <a14:hiddenLine xmlns:a14="http://schemas.microsoft.com/office/drawing/2010/main" w="9525">
+              <a14:hiddenLine xmlns:a14="http://schemas.microsoft.com/office/drawing/2010/main" xmlns="" w="9525">
                 <a:solidFill>
                   <a:srgbClr val="000000"/>
                 </a:solidFill>
@@ -21555,7 +21289,7 @@
           <p:nvPr/>
         </p:nvPicPr>
         <p:blipFill>
-          <a:blip r:embed="rId4">
+          <a:blip r:embed="rId4" cstate="print">
             <a:clrChange>
               <a:clrFrom>
                 <a:srgbClr val="FDFDFD"/>
@@ -21568,7 +21302,7 @@
             </a:clrChange>
             <a:extLst>
               <a:ext uri="{28A0092B-C50C-407E-A947-70E740481C1C}">
-                <a14:useLocalDpi xmlns:a14="http://schemas.microsoft.com/office/drawing/2010/main" val="0"/>
+                <a14:useLocalDpi xmlns:a14="http://schemas.microsoft.com/office/drawing/2010/main" xmlns="" val="0"/>
               </a:ext>
             </a:extLst>
           </a:blip>
@@ -21591,14 +21325,14 @@
           </a:ln>
           <a:extLst>
             <a:ext uri="{909E8E84-426E-40DD-AFC4-6F175D3DCCD1}">
-              <a14:hiddenFill xmlns:a14="http://schemas.microsoft.com/office/drawing/2010/main">
+              <a14:hiddenFill xmlns:a14="http://schemas.microsoft.com/office/drawing/2010/main" xmlns="">
                 <a:solidFill>
                   <a:srgbClr val="FFFFFF"/>
                 </a:solidFill>
               </a14:hiddenFill>
             </a:ext>
             <a:ext uri="{91240B29-F687-4F45-9708-019B960494DF}">
-              <a14:hiddenLine xmlns:a14="http://schemas.microsoft.com/office/drawing/2010/main" w="9525">
+              <a14:hiddenLine xmlns:a14="http://schemas.microsoft.com/office/drawing/2010/main" xmlns="" w="9525">
                 <a:solidFill>
                   <a:srgbClr val="000000"/>
                 </a:solidFill>
@@ -21880,7 +21614,7 @@
           </a:ln>
           <a:extLst>
             <a:ext uri="{91240B29-F687-4F45-9708-019B960494DF}">
-              <a14:hiddenLine xmlns:a14="http://schemas.microsoft.com/office/drawing/2010/main" w="25400">
+              <a14:hiddenLine xmlns:a14="http://schemas.microsoft.com/office/drawing/2010/main" xmlns="" w="25400">
                 <a:solidFill>
                   <a:srgbClr val="000000"/>
                 </a:solidFill>
@@ -22020,10 +21754,10 @@
           <p:nvPr/>
         </p:nvPicPr>
         <p:blipFill>
-          <a:blip r:embed="rId5">
+          <a:blip r:embed="rId5" cstate="print">
             <a:extLst>
               <a:ext uri="{28A0092B-C50C-407E-A947-70E740481C1C}">
-                <a14:useLocalDpi xmlns:a14="http://schemas.microsoft.com/office/drawing/2010/main" val="0"/>
+                <a14:useLocalDpi xmlns:a14="http://schemas.microsoft.com/office/drawing/2010/main" xmlns="" val="0"/>
               </a:ext>
             </a:extLst>
           </a:blip>
@@ -22046,14 +21780,14 @@
           </a:ln>
           <a:extLst>
             <a:ext uri="{909E8E84-426E-40DD-AFC4-6F175D3DCCD1}">
-              <a14:hiddenFill xmlns:a14="http://schemas.microsoft.com/office/drawing/2010/main">
+              <a14:hiddenFill xmlns:a14="http://schemas.microsoft.com/office/drawing/2010/main" xmlns="">
                 <a:solidFill>
                   <a:srgbClr val="FFFFFF"/>
                 </a:solidFill>
               </a14:hiddenFill>
             </a:ext>
             <a:ext uri="{91240B29-F687-4F45-9708-019B960494DF}">
-              <a14:hiddenLine xmlns:a14="http://schemas.microsoft.com/office/drawing/2010/main" w="9525">
+              <a14:hiddenLine xmlns:a14="http://schemas.microsoft.com/office/drawing/2010/main" xmlns="" w="9525">
                 <a:solidFill>
                   <a:srgbClr val="000000"/>
                 </a:solidFill>
@@ -22074,10 +21808,10 @@
           <p:nvPr/>
         </p:nvPicPr>
         <p:blipFill>
-          <a:blip r:embed="rId6">
+          <a:blip r:embed="rId6" cstate="print">
             <a:extLst>
               <a:ext uri="{28A0092B-C50C-407E-A947-70E740481C1C}">
-                <a14:useLocalDpi xmlns:a14="http://schemas.microsoft.com/office/drawing/2010/main" val="0"/>
+                <a14:useLocalDpi xmlns:a14="http://schemas.microsoft.com/office/drawing/2010/main" xmlns="" val="0"/>
               </a:ext>
             </a:extLst>
           </a:blip>
@@ -22100,14 +21834,14 @@
           </a:ln>
           <a:extLst>
             <a:ext uri="{909E8E84-426E-40DD-AFC4-6F175D3DCCD1}">
-              <a14:hiddenFill xmlns:a14="http://schemas.microsoft.com/office/drawing/2010/main">
+              <a14:hiddenFill xmlns:a14="http://schemas.microsoft.com/office/drawing/2010/main" xmlns="">
                 <a:solidFill>
                   <a:srgbClr val="FFFFFF"/>
                 </a:solidFill>
               </a14:hiddenFill>
             </a:ext>
             <a:ext uri="{91240B29-F687-4F45-9708-019B960494DF}">
-              <a14:hiddenLine xmlns:a14="http://schemas.microsoft.com/office/drawing/2010/main" w="9525">
+              <a14:hiddenLine xmlns:a14="http://schemas.microsoft.com/office/drawing/2010/main" xmlns="" w="9525">
                 <a:solidFill>
                   <a:srgbClr val="000000"/>
                 </a:solidFill>
@@ -22128,10 +21862,10 @@
           <p:nvPr/>
         </p:nvPicPr>
         <p:blipFill>
-          <a:blip r:embed="rId7">
+          <a:blip r:embed="rId7" cstate="print">
             <a:extLst>
               <a:ext uri="{28A0092B-C50C-407E-A947-70E740481C1C}">
-                <a14:useLocalDpi xmlns:a14="http://schemas.microsoft.com/office/drawing/2010/main" val="0"/>
+                <a14:useLocalDpi xmlns:a14="http://schemas.microsoft.com/office/drawing/2010/main" xmlns="" val="0"/>
               </a:ext>
             </a:extLst>
           </a:blip>
@@ -22154,14 +21888,14 @@
           </a:ln>
           <a:extLst>
             <a:ext uri="{909E8E84-426E-40DD-AFC4-6F175D3DCCD1}">
-              <a14:hiddenFill xmlns:a14="http://schemas.microsoft.com/office/drawing/2010/main">
+              <a14:hiddenFill xmlns:a14="http://schemas.microsoft.com/office/drawing/2010/main" xmlns="">
                 <a:solidFill>
                   <a:srgbClr val="FFFFFF"/>
                 </a:solidFill>
               </a14:hiddenFill>
             </a:ext>
             <a:ext uri="{91240B29-F687-4F45-9708-019B960494DF}">
-              <a14:hiddenLine xmlns:a14="http://schemas.microsoft.com/office/drawing/2010/main" w="9525">
+              <a14:hiddenLine xmlns:a14="http://schemas.microsoft.com/office/drawing/2010/main" xmlns="" w="9525">
                 <a:solidFill>
                   <a:srgbClr val="000000"/>
                 </a:solidFill>
@@ -22182,10 +21916,10 @@
           <p:nvPr/>
         </p:nvPicPr>
         <p:blipFill>
-          <a:blip r:embed="rId8">
+          <a:blip r:embed="rId8" cstate="print">
             <a:extLst>
               <a:ext uri="{28A0092B-C50C-407E-A947-70E740481C1C}">
-                <a14:useLocalDpi xmlns:a14="http://schemas.microsoft.com/office/drawing/2010/main" val="0"/>
+                <a14:useLocalDpi xmlns:a14="http://schemas.microsoft.com/office/drawing/2010/main" xmlns="" val="0"/>
               </a:ext>
             </a:extLst>
           </a:blip>
@@ -22208,14 +21942,14 @@
           </a:ln>
           <a:extLst>
             <a:ext uri="{909E8E84-426E-40DD-AFC4-6F175D3DCCD1}">
-              <a14:hiddenFill xmlns:a14="http://schemas.microsoft.com/office/drawing/2010/main">
+              <a14:hiddenFill xmlns:a14="http://schemas.microsoft.com/office/drawing/2010/main" xmlns="">
                 <a:solidFill>
                   <a:srgbClr val="FFFFFF"/>
                 </a:solidFill>
               </a14:hiddenFill>
             </a:ext>
             <a:ext uri="{91240B29-F687-4F45-9708-019B960494DF}">
-              <a14:hiddenLine xmlns:a14="http://schemas.microsoft.com/office/drawing/2010/main" w="9525">
+              <a14:hiddenLine xmlns:a14="http://schemas.microsoft.com/office/drawing/2010/main" xmlns="" w="9525">
                 <a:solidFill>
                   <a:srgbClr val="000000"/>
                 </a:solidFill>
@@ -22236,10 +21970,10 @@
           <p:nvPr/>
         </p:nvPicPr>
         <p:blipFill>
-          <a:blip r:embed="rId9">
+          <a:blip r:embed="rId9" cstate="print">
             <a:extLst>
               <a:ext uri="{28A0092B-C50C-407E-A947-70E740481C1C}">
-                <a14:useLocalDpi xmlns:a14="http://schemas.microsoft.com/office/drawing/2010/main" val="0"/>
+                <a14:useLocalDpi xmlns:a14="http://schemas.microsoft.com/office/drawing/2010/main" xmlns="" val="0"/>
               </a:ext>
             </a:extLst>
           </a:blip>
@@ -22262,14 +21996,14 @@
           </a:ln>
           <a:extLst>
             <a:ext uri="{909E8E84-426E-40DD-AFC4-6F175D3DCCD1}">
-              <a14:hiddenFill xmlns:a14="http://schemas.microsoft.com/office/drawing/2010/main">
+              <a14:hiddenFill xmlns:a14="http://schemas.microsoft.com/office/drawing/2010/main" xmlns="">
                 <a:solidFill>
                   <a:srgbClr val="FFFFFF"/>
                 </a:solidFill>
               </a14:hiddenFill>
             </a:ext>
             <a:ext uri="{91240B29-F687-4F45-9708-019B960494DF}">
-              <a14:hiddenLine xmlns:a14="http://schemas.microsoft.com/office/drawing/2010/main" w="9525">
+              <a14:hiddenLine xmlns:a14="http://schemas.microsoft.com/office/drawing/2010/main" xmlns="" w="9525">
                 <a:solidFill>
                   <a:srgbClr val="000000"/>
                 </a:solidFill>
@@ -22305,7 +22039,7 @@
           </a:ln>
           <a:extLst>
             <a:ext uri="{91240B29-F687-4F45-9708-019B960494DF}">
-              <a14:hiddenLine xmlns:a14="http://schemas.microsoft.com/office/drawing/2010/main" w="25400">
+              <a14:hiddenLine xmlns:a14="http://schemas.microsoft.com/office/drawing/2010/main" xmlns="" w="25400">
                 <a:solidFill>
                   <a:srgbClr val="000000"/>
                 </a:solidFill>
@@ -23358,14 +23092,14 @@
           </a:ln>
           <a:extLst>
             <a:ext uri="{909E8E84-426E-40DD-AFC4-6F175D3DCCD1}">
-              <a14:hiddenFill xmlns:a14="http://schemas.microsoft.com/office/drawing/2010/main">
+              <a14:hiddenFill xmlns:a14="http://schemas.microsoft.com/office/drawing/2010/main" xmlns="">
                 <a:solidFill>
                   <a:srgbClr val="FFFFFF"/>
                 </a:solidFill>
               </a14:hiddenFill>
             </a:ext>
             <a:ext uri="{91240B29-F687-4F45-9708-019B960494DF}">
-              <a14:hiddenLine xmlns:a14="http://schemas.microsoft.com/office/drawing/2010/main" w="9525">
+              <a14:hiddenLine xmlns:a14="http://schemas.microsoft.com/office/drawing/2010/main" xmlns="" w="9525">
                 <a:solidFill>
                   <a:srgbClr val="000000"/>
                 </a:solidFill>
@@ -24265,14 +23999,14 @@
           </a:ln>
           <a:extLst>
             <a:ext uri="{909E8E84-426E-40DD-AFC4-6F175D3DCCD1}">
-              <a14:hiddenFill xmlns:a14="http://schemas.microsoft.com/office/drawing/2010/main">
+              <a14:hiddenFill xmlns:a14="http://schemas.microsoft.com/office/drawing/2010/main" xmlns="">
                 <a:solidFill>
                   <a:srgbClr val="FFFFFF"/>
                 </a:solidFill>
               </a14:hiddenFill>
             </a:ext>
             <a:ext uri="{91240B29-F687-4F45-9708-019B960494DF}">
-              <a14:hiddenLine xmlns:a14="http://schemas.microsoft.com/office/drawing/2010/main" w="9525">
+              <a14:hiddenLine xmlns:a14="http://schemas.microsoft.com/office/drawing/2010/main" xmlns="" w="9525">
                 <a:solidFill>
                   <a:srgbClr val="000000"/>
                 </a:solidFill>
@@ -24434,14 +24168,14 @@
           </a:ln>
           <a:extLst>
             <a:ext uri="{909E8E84-426E-40DD-AFC4-6F175D3DCCD1}">
-              <a14:hiddenFill xmlns:a14="http://schemas.microsoft.com/office/drawing/2010/main">
+              <a14:hiddenFill xmlns:a14="http://schemas.microsoft.com/office/drawing/2010/main" xmlns="">
                 <a:solidFill>
                   <a:srgbClr val="FFFFFF"/>
                 </a:solidFill>
               </a14:hiddenFill>
             </a:ext>
             <a:ext uri="{91240B29-F687-4F45-9708-019B960494DF}">
-              <a14:hiddenLine xmlns:a14="http://schemas.microsoft.com/office/drawing/2010/main" w="9525">
+              <a14:hiddenLine xmlns:a14="http://schemas.microsoft.com/office/drawing/2010/main" xmlns="" w="9525">
                 <a:solidFill>
                   <a:srgbClr val="000000"/>
                 </a:solidFill>
@@ -24603,14 +24337,14 @@
           </a:ln>
           <a:extLst>
             <a:ext uri="{909E8E84-426E-40DD-AFC4-6F175D3DCCD1}">
-              <a14:hiddenFill xmlns:a14="http://schemas.microsoft.com/office/drawing/2010/main">
+              <a14:hiddenFill xmlns:a14="http://schemas.microsoft.com/office/drawing/2010/main" xmlns="">
                 <a:solidFill>
                   <a:srgbClr val="FFFFFF"/>
                 </a:solidFill>
               </a14:hiddenFill>
             </a:ext>
             <a:ext uri="{91240B29-F687-4F45-9708-019B960494DF}">
-              <a14:hiddenLine xmlns:a14="http://schemas.microsoft.com/office/drawing/2010/main" w="9525">
+              <a14:hiddenLine xmlns:a14="http://schemas.microsoft.com/office/drawing/2010/main" xmlns="" w="9525">
                 <a:solidFill>
                   <a:srgbClr val="000000"/>
                 </a:solidFill>
@@ -25128,7 +24862,7 @@
   <a:extraClrSchemeLst/>
   <a:extLst>
     <a:ext uri="{05A4C25C-085E-4340-85A3-A5531E510DB2}">
-      <thm15:themeFamily xmlns:thm15="http://schemas.microsoft.com/office/thememl/2012/main" name="模板.ppt [兼容模式]" id="{3918EA53-D136-4D52-8FD1-3A474C7252A0}" vid="{0E6087C6-857D-48CE-BB44-C0CFDD5F6EAD}"/>
+      <thm15:themeFamily xmlns:thm15="http://schemas.microsoft.com/office/thememl/2012/main" xmlns="" name="模板.ppt [兼容模式]" id="{3918EA53-D136-4D52-8FD1-3A474C7252A0}" vid="{0E6087C6-857D-48CE-BB44-C0CFDD5F6EAD}"/>
     </a:ext>
   </a:extLst>
 </a:theme>
@@ -25389,7 +25123,7 @@
   <a:extraClrSchemeLst/>
   <a:extLst>
     <a:ext uri="{05A4C25C-085E-4340-85A3-A5531E510DB2}">
-      <thm15:themeFamily xmlns:thm15="http://schemas.microsoft.com/office/thememl/2012/main" name="模板.ppt [兼容模式]" id="{3918EA53-D136-4D52-8FD1-3A474C7252A0}" vid="{6E7698C8-5C12-4845-A5AD-6DD6A35C586E}"/>
+      <thm15:themeFamily xmlns:thm15="http://schemas.microsoft.com/office/thememl/2012/main" xmlns="" name="模板.ppt [兼容模式]" id="{3918EA53-D136-4D52-8FD1-3A474C7252A0}" vid="{6E7698C8-5C12-4845-A5AD-6DD6A35C586E}"/>
     </a:ext>
   </a:extLst>
 </a:theme>
@@ -25677,7 +25411,7 @@
   <a:extraClrSchemeLst/>
   <a:extLst>
     <a:ext uri="{05A4C25C-085E-4340-85A3-A5531E510DB2}">
-      <thm15:themeFamily xmlns:thm15="http://schemas.microsoft.com/office/thememl/2012/main" name="Office Theme" id="{62F939B6-93AF-4DB8-9C6B-D6C7DFDC589F}" vid="{4A3C46E8-61CC-4603-A589-7422A47A8E4A}"/>
+      <thm15:themeFamily xmlns:thm15="http://schemas.microsoft.com/office/thememl/2012/main" xmlns="" name="Office Theme" id="{62F939B6-93AF-4DB8-9C6B-D6C7DFDC589F}" vid="{4A3C46E8-61CC-4603-A589-7422A47A8E4A}"/>
     </a:ext>
   </a:extLst>
 </a:theme>
@@ -25965,7 +25699,7 @@
   <a:extraClrSchemeLst/>
   <a:extLst>
     <a:ext uri="{05A4C25C-085E-4340-85A3-A5531E510DB2}">
-      <thm15:themeFamily xmlns:thm15="http://schemas.microsoft.com/office/thememl/2012/main" name="Office Theme" id="{62F939B6-93AF-4DB8-9C6B-D6C7DFDC589F}" vid="{4A3C46E8-61CC-4603-A589-7422A47A8E4A}"/>
+      <thm15:themeFamily xmlns:thm15="http://schemas.microsoft.com/office/thememl/2012/main" xmlns="" name="Office Theme" id="{62F939B6-93AF-4DB8-9C6B-D6C7DFDC589F}" vid="{4A3C46E8-61CC-4603-A589-7422A47A8E4A}"/>
     </a:ext>
   </a:extLst>
 </a:theme>
